--- a/MMAPS/presentation/Интеграция_сетевых_компонентов_в_шаблон_многопользовательской_игры_.pptx
+++ b/MMAPS/presentation/Интеграция_сетевых_компонентов_в_шаблон_многопользовательской_игры_.pptx
@@ -1273,27 +1273,7 @@
             </a:pPr>
             <a:r>
               <a:rPr lang="ru"/>
-              <a:t>В итоге успешно авторизовавшийся пользователь получает доступ к игровому оверлею Epic Games, в котором он может просматривать игровую активность других игроков и управлять списком друзей.</a:t>
-            </a:r>
-            <a:endParaRPr/>
-          </a:p>
-          <a:p>
-            <a:pPr indent="0" lvl="0" marL="0" rtl="0" algn="l">
-              <a:lnSpc>
-                <a:spcPct val="100000"/>
-              </a:lnSpc>
-              <a:spcBef>
-                <a:spcPts val="0"/>
-              </a:spcBef>
-              <a:spcAft>
-                <a:spcPts val="0"/>
-              </a:spcAft>
-              <a:buSzPts val="1100"/>
-              <a:buNone/>
-            </a:pPr>
-            <a:r>
-              <a:rPr lang="ru"/>
-              <a:t>А также создавать игры, доступные по сети Интернет другим игрокам.</a:t>
+              <a:t>В итоге успешно авторизовавшийся пользователь получает доступ к игровому оверлею Epic Games, в котором он может просматривать игровую активность других игроков, управлять списком друзей и создавать игры, доступные по сети Интернет другим игрокам.</a:t>
             </a:r>
             <a:endParaRPr/>
           </a:p>
@@ -1411,7 +1391,7 @@
             </a:pPr>
             <a:r>
               <a:rPr lang="ru"/>
-              <a:t>В рамках выпускной квалификационной работы будет продолжена работа над данным проектом. Из задач, поставленных глобально, необходимо будет также интегрировать в проект программные интерфейсы создания лобби и таблиц самых лучших игроков, которая будет обновляться автоматически после каждого завершенного матча.</a:t>
+              <a:t>В рамках ВКР  будет продолжена работа над данным проектом. Из задач, поставленных глобально, необходимо будет также интегрировать в проект программные интерфейсы создания лобби и таблиц самых лучших игроков, которая будет обновляться автоматически после каждого завершенного матча.</a:t>
             </a:r>
             <a:endParaRPr/>
           </a:p>
@@ -1569,7 +1549,7 @@
             </a:pPr>
             <a:r>
               <a:rPr lang="ru"/>
-              <a:t>Для доработки проекта до финальной версии, необходимо будет выполнить задачи, которые представлены на слайде.</a:t>
+              <a:t>Для этого необходимо будет выполнить задачи, которые представлены на слайде.</a:t>
             </a:r>
             <a:endParaRPr/>
           </a:p>
@@ -1707,7 +1687,7 @@
             </a:pPr>
             <a:r>
               <a:rPr lang="ru"/>
-              <a:t>В процессе разработки проекта были получены знания в области сетевого программирования в UE, практические навыки работы с плагином EOS, которые будет необходимы при дальнейшей работе с проектом уже в рамках выпускной квалификационной работы.</a:t>
+              <a:t>В процессе разработки проекта были получены знания в области сетевого программирования в UE, практические навыки работы с плагином EOS, которые будет необходимы при дальнейшей работе с проектом уже в рамках ВКР.</a:t>
             </a:r>
             <a:endParaRPr/>
           </a:p>
@@ -1726,27 +1706,8 @@
               <a:buNone/>
             </a:pPr>
             <a:r>
-              <a:t/>
-            </a:r>
-            <a:endParaRPr/>
-          </a:p>
-          <a:p>
-            <a:pPr indent="0" lvl="0" marL="0" rtl="0" algn="l">
-              <a:lnSpc>
-                <a:spcPct val="100000"/>
-              </a:lnSpc>
-              <a:spcBef>
-                <a:spcPts val="0"/>
-              </a:spcBef>
-              <a:spcAft>
-                <a:spcPts val="0"/>
-              </a:spcAft>
-              <a:buSzPts val="1100"/>
-              <a:buNone/>
-            </a:pPr>
-            <a:r>
               <a:rPr lang="ru"/>
-              <a:t>На этом я хочу завершить свое выступление, пожалуйста, задавайте Ваши вопросы.</a:t>
+              <a:t>На этом я хочу завершить свое выступление, спасибо за внимание, пожалуйста, задавайте Ваши вопросы.</a:t>
             </a:r>
             <a:endParaRPr/>
           </a:p>
@@ -1883,7 +1844,7 @@
             </a:pPr>
             <a:r>
               <a:rPr lang="ru"/>
-              <a:t>Начнем с введения понятия сетевые компоненты. Сетевые компоненты — это элементы сетевой (многопользовательской) игры. В проекте они условно разделены на два типа. К первому типу относятся те элементы, которые непосредственно связаны с игровым процессом, их перечисление вы можете видеть в левой части слайда. Их интеграция в проект крайне важна, так как без них невозможно взаимодействие пользователей в игровом мире. Интегрировав данные компоненты, уже можно совершать игру в пределах локальной сети (LAN).</a:t>
+              <a:t>Начнем с введения понятия сетевые компоненты. Сетевые компоненты — это элементы многопользовательской игры. В проекте они условно разделены на два типа. К первому типу относятся те элементы, которые непосредственно связаны с игровым процессом, их перечисление вы можете видеть в левой части слайда. Их интеграция в проект крайне важна, так как без них невозможно взаимодействие пользователей в игровом мире.</a:t>
             </a:r>
             <a:endParaRPr/>
           </a:p>
@@ -2028,7 +1989,11 @@
             </a:br>
             <a:r>
               <a:rPr lang="ru"/>
-              <a:t>Для этого было необходимо в рамках НИР изучить принципы работы сетевого программирования в движке UE и после внедрить уже ранее упомянутые сетевые элементы в проект.</a:t>
+              <a:t>Для этого было необходимо в рамках НИР изучить принципы работы сетевого программирования в движке UE и после </a:t>
+            </a:r>
+            <a:r>
+              <a:rPr lang="ru"/>
+              <a:t>внедрить уже ранее упомянутые сетевые элементы в проект.</a:t>
             </a:r>
             <a:endParaRPr/>
           </a:p>
@@ -2048,7 +2013,7 @@
             </a:pPr>
             <a:r>
               <a:rPr lang="ru"/>
-              <a:t>В рамках курсового проекта была поставлена задача осуществить авторизацию пользователя на уровне приложения с использованием уже существующей учетной записи пользователя на одной из игровых площадок, для того чтобы сделать возможной игру по сети Интернет. Также необходимо было изучить дополнительные возможности сетевых игр, которые в дальнейшем будут добавлены в проект.</a:t>
+              <a:t>В рамках курсового проекта была поставлена задача осуществить авторизацию пользователя на уровне приложения с использованием уже существующей учетной записи пользователя на одной из игровых площадок, для того чтобы сделать возможной игру по сети Интернет.</a:t>
             </a:r>
             <a:endParaRPr/>
           </a:p>
@@ -2186,7 +2151,7 @@
             </a:pPr>
             <a:r>
               <a:rPr lang="ru"/>
-              <a:t>Также навыки работы с плагинами и движком, приобретенные за время разработки проекта, окажутся полезны для работы в области автоматизированного проектирования, при дальнейшей работе с UE.</a:t>
+              <a:t>Также навыки работы с плагинами и движком в дальнейшем будут полезны в сфере автоматизированного проектирования.</a:t>
             </a:r>
             <a:endParaRPr/>
           </a:p>
@@ -2304,7 +2269,23 @@
             </a:pPr>
             <a:r>
               <a:rPr lang="ru"/>
-              <a:t>Репликация — один из важнейших инструментов сетевого программирования. Репликация — это механизм, который способствует синхронизации информации об игровом мире между игроками. На слайде представлен рисунок, поясняющий принцип работы репликации. Например, в игровом мире существует 3 игрока, тогда всего в игровом мире будет 12 экземпляров персонажа, которыми управляют игроки (по 3 на каждом клиенте и 3 на сервере). Объекты, выделенные красным цветом, управляются непосредственно игроками, черным цветом — сервером. Например, когда игрок перемещает своего персонажа с помощью клавиатуры, он отправляет данные о перемещении серверу, тот, в свою очередь, синхронно отсылает всем игрокам измененные координаты переместившегося игрока. За счет данного механизма и происходит синхронизация положения объектов в игровом мире.</a:t>
+              <a:t>Репликация — один из важнейших инструментов сетевого программирования. Репликация — это механизм, который способствует синхронизации информации об игровом мире между игроками. На слайде представлена схема, поясняющая принцип работы репликации. Красным отмечены объекты, управляемые реальными игроками, черным — управляемые сервером. Синхронизация </a:t>
+            </a:r>
+            <a:r>
+              <a:rPr lang="ru"/>
+              <a:t>объектов</a:t>
+            </a:r>
+            <a:r>
+              <a:rPr lang="ru"/>
+              <a:t> в игровом мире заключается в том, что все </a:t>
+            </a:r>
+            <a:r>
+              <a:rPr lang="ru"/>
+              <a:t>взаимодействия</a:t>
+            </a:r>
+            <a:r>
+              <a:rPr lang="ru"/>
+              <a:t> между клиентами происходят только через сервер, а не напрямую между клиентами.</a:t>
             </a:r>
             <a:endParaRPr/>
           </a:p>
@@ -2422,27 +2403,7 @@
             </a:pPr>
             <a:r>
               <a:rPr lang="ru"/>
-              <a:t>Remote Procedure Call (с английского переводится как удаленный вызов процедуры) — механизм сетевого программирования, который позволяет определять тело функции в сущности одного класса, а вызывать из сущности другого.</a:t>
-            </a:r>
-            <a:endParaRPr/>
-          </a:p>
-          <a:p>
-            <a:pPr indent="0" lvl="0" marL="0" rtl="0" algn="l">
-              <a:lnSpc>
-                <a:spcPct val="100000"/>
-              </a:lnSpc>
-              <a:spcBef>
-                <a:spcPts val="0"/>
-              </a:spcBef>
-              <a:spcAft>
-                <a:spcPts val="0"/>
-              </a:spcAft>
-              <a:buSzPts val="1100"/>
-              <a:buNone/>
-            </a:pPr>
-            <a:r>
-              <a:rPr lang="ru"/>
-              <a:t>В сетевых играх RPC необходимы для синхронного изменения данных об игроке, а именно изменение количества очков, здоровья и т.п., так как данные действия всегда должны производится только с сервера, а не с клиента.</a:t>
+              <a:t>Remote Procedure Call (с английского переводится как удаленный вызов процедуры) — механизм сетевого программирования, который позволяет определять тело функции в сущности одного класса, а вызывать из сущности другого. В сетевых играх RPC необходимы для синхронного изменения данных об игроке, а именно изменение количества очков, здоровья.</a:t>
             </a:r>
             <a:endParaRPr/>
           </a:p>
@@ -2580,7 +2541,7 @@
             </a:pPr>
             <a:r>
               <a:rPr lang="ru"/>
-              <a:t>На слайде слева представлен непосредственно сам получившейся после интеграции ранее упомянутых компонентов игровой процесс.Он заключается в том, что игроки запускают друг в друга снаряды, имитируя стрельбу. У каждого игрока изначально есть 100 условных очков здоровья. Ликвидируя друг друга с помощью снарядов, игроки зарабатывают себе по одному очку за одну ликвидацию. Очки сразу же обновляются на экране игрока.</a:t>
+              <a:t>На слайде слева представлен непосредственно сам игровой процесс.Он заключается в том, что игроки запускают друг в друга снаряды, имитируя стрельбу. У каждого игрока изначально есть 100 условных очков здоровья. Ликвидируя друг друга с помощью снарядов, игроки зарабатывают себе по одному очку за одну ликвидацию. Очки сразу же обновляются на экране игрока.</a:t>
             </a:r>
             <a:endParaRPr/>
           </a:p>
@@ -2738,7 +2699,7 @@
             </a:pPr>
             <a:r>
               <a:rPr lang="ru"/>
-              <a:t>Важно отметить, что EOS обеспечивает передачу пакетов с игровыми данными между пользователями с помощью туннелирования — прокладывания конечного маршрута между двумя конечными узлами в сети.</a:t>
+              <a:t>Плагин обеспечивает передачу пакетов с игровыми данными с помощью туннелирования — прокладывания конечного маршрута между двумя конечными узлами в сети.</a:t>
             </a:r>
             <a:endParaRPr/>
           </a:p>
@@ -2876,47 +2837,7 @@
             </a:pPr>
             <a:r>
               <a:rPr lang="ru"/>
-              <a:t>Он состоит из последовательного вызова функций, которые предоставляет программный интерфейс авторизации.</a:t>
-            </a:r>
-            <a:endParaRPr/>
-          </a:p>
-          <a:p>
-            <a:pPr indent="0" lvl="0" marL="0" rtl="0" algn="l">
-              <a:lnSpc>
-                <a:spcPct val="100000"/>
-              </a:lnSpc>
-              <a:spcBef>
-                <a:spcPts val="0"/>
-              </a:spcBef>
-              <a:spcAft>
-                <a:spcPts val="0"/>
-              </a:spcAft>
-              <a:buSzPts val="1100"/>
-              <a:buNone/>
-            </a:pPr>
-            <a:r>
-              <a:rPr lang="ru"/>
-              <a:t>Для работы алгоритма авторизации необходимы данные о настройке приложения, полученные от Epic Games при настройке плагина, а также данные пользователя от учетной записи Epic Games.</a:t>
-            </a:r>
-            <a:endParaRPr/>
-          </a:p>
-          <a:p>
-            <a:pPr indent="0" lvl="0" marL="0" rtl="0" algn="l">
-              <a:lnSpc>
-                <a:spcPct val="100000"/>
-              </a:lnSpc>
-              <a:spcBef>
-                <a:spcPts val="0"/>
-              </a:spcBef>
-              <a:spcAft>
-                <a:spcPts val="0"/>
-              </a:spcAft>
-              <a:buSzPts val="1100"/>
-              <a:buNone/>
-            </a:pPr>
-            <a:r>
-              <a:rPr lang="ru"/>
-              <a:t>Все данные передаются в функции в полях структур (EOS_Platform_Options — пример структуры, содержащей такие данные).</a:t>
+              <a:t>Он состоит из последовательного вызова функций, которые предоставляет программный интерфейс авторизации. Более подробную реализацию алгоритма можно увидеть в РПЗ КР.</a:t>
             </a:r>
             <a:endParaRPr/>
           </a:p>
@@ -16695,6 +16616,285 @@
 </file>
 
 <file path=ppt/theme/theme1.xml><?xml version="1.0" encoding="utf-8"?>
+<a:theme xmlns:a="http://schemas.openxmlformats.org/drawingml/2006/main" xmlns:r="http://schemas.openxmlformats.org/officeDocument/2006/relationships" name="Spearmint">
+  <a:themeElements>
+    <a:clrScheme name="Spearmint">
+      <a:dk1>
+        <a:srgbClr val="202729"/>
+      </a:dk1>
+      <a:lt1>
+        <a:srgbClr val="FFFFFF"/>
+      </a:lt1>
+      <a:dk2>
+        <a:srgbClr val="4BA173"/>
+      </a:dk2>
+      <a:lt2>
+        <a:srgbClr val="63D297"/>
+      </a:lt2>
+      <a:accent1>
+        <a:srgbClr val="353744"/>
+      </a:accent1>
+      <a:accent2>
+        <a:srgbClr val="424242"/>
+      </a:accent2>
+      <a:accent3>
+        <a:srgbClr val="616161"/>
+      </a:accent3>
+      <a:accent4>
+        <a:srgbClr val="999999"/>
+      </a:accent4>
+      <a:accent5>
+        <a:srgbClr val="FF5252"/>
+      </a:accent5>
+      <a:accent6>
+        <a:srgbClr val="FFF176"/>
+      </a:accent6>
+      <a:hlink>
+        <a:srgbClr val="FF5252"/>
+      </a:hlink>
+      <a:folHlink>
+        <a:srgbClr val="FF5252"/>
+      </a:folHlink>
+    </a:clrScheme>
+    <a:fontScheme name="Office">
+      <a:majorFont>
+        <a:latin typeface="Arial"/>
+        <a:ea typeface=""/>
+        <a:cs typeface=""/>
+        <a:font script="Jpan" typeface="ＭＳ Ｐゴシック"/>
+        <a:font script="Hang" typeface="맑은 고딕"/>
+        <a:font script="Hans" typeface="宋体"/>
+        <a:font script="Hant" typeface="新細明體"/>
+        <a:font script="Arab" typeface="Times New Roman"/>
+        <a:font script="Hebr" typeface="Times New Roman"/>
+        <a:font script="Thai" typeface="Angsana New"/>
+        <a:font script="Ethi" typeface="Nyala"/>
+        <a:font script="Beng" typeface="Vrinda"/>
+        <a:font script="Gujr" typeface="Shruti"/>
+        <a:font script="Khmr" typeface="MoolBoran"/>
+        <a:font script="Knda" typeface="Tunga"/>
+        <a:font script="Guru" typeface="Raavi"/>
+        <a:font script="Cans" typeface="Euphemia"/>
+        <a:font script="Cher" typeface="Plantagenet Cherokee"/>
+        <a:font script="Yiii" typeface="Microsoft Yi Baiti"/>
+        <a:font script="Tibt" typeface="Microsoft Himalaya"/>
+        <a:font script="Thaa" typeface="MV Boli"/>
+        <a:font script="Deva" typeface="Mangal"/>
+        <a:font script="Telu" typeface="Gautami"/>
+        <a:font script="Taml" typeface="Latha"/>
+        <a:font script="Syrc" typeface="Estrangelo Edessa"/>
+        <a:font script="Orya" typeface="Kalinga"/>
+        <a:font script="Mlym" typeface="Kartika"/>
+        <a:font script="Laoo" typeface="DokChampa"/>
+        <a:font script="Sinh" typeface="Iskoola Pota"/>
+        <a:font script="Mong" typeface="Mongolian Baiti"/>
+        <a:font script="Viet" typeface="Times New Roman"/>
+        <a:font script="Uigh" typeface="Microsoft Uighur"/>
+        <a:font script="Geor" typeface="Sylfaen"/>
+      </a:majorFont>
+      <a:minorFont>
+        <a:latin typeface="Arial"/>
+        <a:ea typeface=""/>
+        <a:cs typeface=""/>
+        <a:font script="Jpan" typeface="ＭＳ Ｐゴシック"/>
+        <a:font script="Hang" typeface="맑은 고딕"/>
+        <a:font script="Hans" typeface="宋体"/>
+        <a:font script="Hant" typeface="新細明體"/>
+        <a:font script="Arab" typeface="Arial"/>
+        <a:font script="Hebr" typeface="Arial"/>
+        <a:font script="Thai" typeface="Cordia New"/>
+        <a:font script="Ethi" typeface="Nyala"/>
+        <a:font script="Beng" typeface="Vrinda"/>
+        <a:font script="Gujr" typeface="Shruti"/>
+        <a:font script="Khmr" typeface="DaunPenh"/>
+        <a:font script="Knda" typeface="Tunga"/>
+        <a:font script="Guru" typeface="Raavi"/>
+        <a:font script="Cans" typeface="Euphemia"/>
+        <a:font script="Cher" typeface="Plantagenet Cherokee"/>
+        <a:font script="Yiii" typeface="Microsoft Yi Baiti"/>
+        <a:font script="Tibt" typeface="Microsoft Himalaya"/>
+        <a:font script="Thaa" typeface="MV Boli"/>
+        <a:font script="Deva" typeface="Mangal"/>
+        <a:font script="Telu" typeface="Gautami"/>
+        <a:font script="Taml" typeface="Latha"/>
+        <a:font script="Syrc" typeface="Estrangelo Edessa"/>
+        <a:font script="Orya" typeface="Kalinga"/>
+        <a:font script="Mlym" typeface="Kartika"/>
+        <a:font script="Laoo" typeface="DokChampa"/>
+        <a:font script="Sinh" typeface="Iskoola Pota"/>
+        <a:font script="Mong" typeface="Mongolian Baiti"/>
+        <a:font script="Viet" typeface="Arial"/>
+        <a:font script="Uigh" typeface="Microsoft Uighur"/>
+        <a:font script="Geor" typeface="Sylfaen"/>
+      </a:minorFont>
+    </a:fontScheme>
+    <a:fmtScheme name="Office">
+      <a:fillStyleLst>
+        <a:solidFill>
+          <a:schemeClr val="phClr"/>
+        </a:solidFill>
+        <a:gradFill rotWithShape="1">
+          <a:gsLst>
+            <a:gs pos="0">
+              <a:schemeClr val="phClr">
+                <a:tint val="50000"/>
+                <a:satMod val="300000"/>
+              </a:schemeClr>
+            </a:gs>
+            <a:gs pos="35000">
+              <a:schemeClr val="phClr">
+                <a:tint val="37000"/>
+                <a:satMod val="300000"/>
+              </a:schemeClr>
+            </a:gs>
+            <a:gs pos="100000">
+              <a:schemeClr val="phClr">
+                <a:tint val="15000"/>
+                <a:satMod val="350000"/>
+              </a:schemeClr>
+            </a:gs>
+          </a:gsLst>
+          <a:lin ang="16200000" scaled="1"/>
+        </a:gradFill>
+        <a:gradFill rotWithShape="1">
+          <a:gsLst>
+            <a:gs pos="0">
+              <a:schemeClr val="phClr">
+                <a:tint val="100000"/>
+                <a:shade val="100000"/>
+                <a:satMod val="130000"/>
+              </a:schemeClr>
+            </a:gs>
+            <a:gs pos="100000">
+              <a:schemeClr val="phClr">
+                <a:tint val="50000"/>
+                <a:shade val="100000"/>
+                <a:satMod val="350000"/>
+              </a:schemeClr>
+            </a:gs>
+          </a:gsLst>
+          <a:lin ang="16200000" scaled="0"/>
+        </a:gradFill>
+      </a:fillStyleLst>
+      <a:lnStyleLst>
+        <a:ln w="9525" cap="flat" cmpd="sng" algn="ctr">
+          <a:solidFill>
+            <a:schemeClr val="phClr">
+              <a:shade val="95000"/>
+              <a:satMod val="105000"/>
+            </a:schemeClr>
+          </a:solidFill>
+          <a:prstDash val="solid"/>
+        </a:ln>
+        <a:ln w="25400" cap="flat" cmpd="sng" algn="ctr">
+          <a:solidFill>
+            <a:schemeClr val="phClr"/>
+          </a:solidFill>
+          <a:prstDash val="solid"/>
+        </a:ln>
+        <a:ln w="38100" cap="flat" cmpd="sng" algn="ctr">
+          <a:solidFill>
+            <a:schemeClr val="phClr"/>
+          </a:solidFill>
+          <a:prstDash val="solid"/>
+        </a:ln>
+      </a:lnStyleLst>
+      <a:effectStyleLst>
+        <a:effectStyle>
+          <a:effectLst>
+            <a:outerShdw blurRad="40000" dist="20000" dir="5400000" rotWithShape="0">
+              <a:srgbClr val="000000">
+                <a:alpha val="38000"/>
+              </a:srgbClr>
+            </a:outerShdw>
+          </a:effectLst>
+        </a:effectStyle>
+        <a:effectStyle>
+          <a:effectLst>
+            <a:outerShdw blurRad="40000" dist="23000" dir="5400000" rotWithShape="0">
+              <a:srgbClr val="000000">
+                <a:alpha val="35000"/>
+              </a:srgbClr>
+            </a:outerShdw>
+          </a:effectLst>
+        </a:effectStyle>
+        <a:effectStyle>
+          <a:effectLst>
+            <a:outerShdw blurRad="40000" dist="23000" dir="5400000" rotWithShape="0">
+              <a:srgbClr val="000000">
+                <a:alpha val="35000"/>
+              </a:srgbClr>
+            </a:outerShdw>
+          </a:effectLst>
+          <a:scene3d>
+            <a:camera prst="orthographicFront">
+              <a:rot lat="0" lon="0" rev="0"/>
+            </a:camera>
+            <a:lightRig rig="threePt" dir="t">
+              <a:rot lat="0" lon="0" rev="1200000"/>
+            </a:lightRig>
+          </a:scene3d>
+          <a:sp3d>
+            <a:bevelT w="63500" h="25400"/>
+          </a:sp3d>
+        </a:effectStyle>
+      </a:effectStyleLst>
+      <a:bgFillStyleLst>
+        <a:solidFill>
+          <a:schemeClr val="phClr"/>
+        </a:solidFill>
+        <a:gradFill rotWithShape="1">
+          <a:gsLst>
+            <a:gs pos="0">
+              <a:schemeClr val="phClr">
+                <a:tint val="40000"/>
+                <a:satMod val="350000"/>
+              </a:schemeClr>
+            </a:gs>
+            <a:gs pos="40000">
+              <a:schemeClr val="phClr">
+                <a:tint val="45000"/>
+                <a:shade val="99000"/>
+                <a:satMod val="350000"/>
+              </a:schemeClr>
+            </a:gs>
+            <a:gs pos="100000">
+              <a:schemeClr val="phClr">
+                <a:shade val="20000"/>
+                <a:satMod val="255000"/>
+              </a:schemeClr>
+            </a:gs>
+          </a:gsLst>
+          <a:path path="circle">
+            <a:fillToRect l="50000" t="-80000" r="50000" b="180000"/>
+          </a:path>
+        </a:gradFill>
+        <a:gradFill rotWithShape="1">
+          <a:gsLst>
+            <a:gs pos="0">
+              <a:schemeClr val="phClr">
+                <a:tint val="80000"/>
+                <a:satMod val="300000"/>
+              </a:schemeClr>
+            </a:gs>
+            <a:gs pos="100000">
+              <a:schemeClr val="phClr">
+                <a:shade val="30000"/>
+                <a:satMod val="200000"/>
+              </a:schemeClr>
+            </a:gs>
+          </a:gsLst>
+          <a:path path="circle">
+            <a:fillToRect l="50000" t="50000" r="50000" b="50000"/>
+          </a:path>
+        </a:gradFill>
+      </a:bgFillStyleLst>
+    </a:fmtScheme>
+  </a:themeElements>
+</a:theme>
+</file>
+
+<file path=ppt/theme/theme2.xml><?xml version="1.0" encoding="utf-8"?>
 <a:theme xmlns:a="http://schemas.openxmlformats.org/drawingml/2006/main" xmlns:r="http://schemas.openxmlformats.org/officeDocument/2006/relationships">
   <a:themeElements>
     <a:clrScheme name="Default">
@@ -16971,283 +17171,4 @@
     </a:fmtScheme>
   </a:themeElements>
 </a:theme>
-</file>
-
-<file path=ppt/theme/theme2.xml><?xml version="1.0" encoding="utf-8"?>
-<a:theme xmlns:a="http://schemas.openxmlformats.org/drawingml/2006/main" xmlns:r="http://schemas.openxmlformats.org/officeDocument/2006/relationships" name="Spearmint">
-  <a:themeElements>
-    <a:clrScheme name="Spearmint">
-      <a:dk1>
-        <a:srgbClr val="202729"/>
-      </a:dk1>
-      <a:lt1>
-        <a:srgbClr val="FFFFFF"/>
-      </a:lt1>
-      <a:dk2>
-        <a:srgbClr val="4BA173"/>
-      </a:dk2>
-      <a:lt2>
-        <a:srgbClr val="63D297"/>
-      </a:lt2>
-      <a:accent1>
-        <a:srgbClr val="353744"/>
-      </a:accent1>
-      <a:accent2>
-        <a:srgbClr val="424242"/>
-      </a:accent2>
-      <a:accent3>
-        <a:srgbClr val="616161"/>
-      </a:accent3>
-      <a:accent4>
-        <a:srgbClr val="999999"/>
-      </a:accent4>
-      <a:accent5>
-        <a:srgbClr val="FF5252"/>
-      </a:accent5>
-      <a:accent6>
-        <a:srgbClr val="FFF176"/>
-      </a:accent6>
-      <a:hlink>
-        <a:srgbClr val="FF5252"/>
-      </a:hlink>
-      <a:folHlink>
-        <a:srgbClr val="FF5252"/>
-      </a:folHlink>
-    </a:clrScheme>
-    <a:fontScheme name="Office">
-      <a:majorFont>
-        <a:latin typeface="Arial"/>
-        <a:ea typeface=""/>
-        <a:cs typeface=""/>
-        <a:font script="Jpan" typeface="ＭＳ Ｐゴシック"/>
-        <a:font script="Hang" typeface="맑은 고딕"/>
-        <a:font script="Hans" typeface="宋体"/>
-        <a:font script="Hant" typeface="新細明體"/>
-        <a:font script="Arab" typeface="Times New Roman"/>
-        <a:font script="Hebr" typeface="Times New Roman"/>
-        <a:font script="Thai" typeface="Angsana New"/>
-        <a:font script="Ethi" typeface="Nyala"/>
-        <a:font script="Beng" typeface="Vrinda"/>
-        <a:font script="Gujr" typeface="Shruti"/>
-        <a:font script="Khmr" typeface="MoolBoran"/>
-        <a:font script="Knda" typeface="Tunga"/>
-        <a:font script="Guru" typeface="Raavi"/>
-        <a:font script="Cans" typeface="Euphemia"/>
-        <a:font script="Cher" typeface="Plantagenet Cherokee"/>
-        <a:font script="Yiii" typeface="Microsoft Yi Baiti"/>
-        <a:font script="Tibt" typeface="Microsoft Himalaya"/>
-        <a:font script="Thaa" typeface="MV Boli"/>
-        <a:font script="Deva" typeface="Mangal"/>
-        <a:font script="Telu" typeface="Gautami"/>
-        <a:font script="Taml" typeface="Latha"/>
-        <a:font script="Syrc" typeface="Estrangelo Edessa"/>
-        <a:font script="Orya" typeface="Kalinga"/>
-        <a:font script="Mlym" typeface="Kartika"/>
-        <a:font script="Laoo" typeface="DokChampa"/>
-        <a:font script="Sinh" typeface="Iskoola Pota"/>
-        <a:font script="Mong" typeface="Mongolian Baiti"/>
-        <a:font script="Viet" typeface="Times New Roman"/>
-        <a:font script="Uigh" typeface="Microsoft Uighur"/>
-        <a:font script="Geor" typeface="Sylfaen"/>
-      </a:majorFont>
-      <a:minorFont>
-        <a:latin typeface="Arial"/>
-        <a:ea typeface=""/>
-        <a:cs typeface=""/>
-        <a:font script="Jpan" typeface="ＭＳ Ｐゴシック"/>
-        <a:font script="Hang" typeface="맑은 고딕"/>
-        <a:font script="Hans" typeface="宋体"/>
-        <a:font script="Hant" typeface="新細明體"/>
-        <a:font script="Arab" typeface="Arial"/>
-        <a:font script="Hebr" typeface="Arial"/>
-        <a:font script="Thai" typeface="Cordia New"/>
-        <a:font script="Ethi" typeface="Nyala"/>
-        <a:font script="Beng" typeface="Vrinda"/>
-        <a:font script="Gujr" typeface="Shruti"/>
-        <a:font script="Khmr" typeface="DaunPenh"/>
-        <a:font script="Knda" typeface="Tunga"/>
-        <a:font script="Guru" typeface="Raavi"/>
-        <a:font script="Cans" typeface="Euphemia"/>
-        <a:font script="Cher" typeface="Plantagenet Cherokee"/>
-        <a:font script="Yiii" typeface="Microsoft Yi Baiti"/>
-        <a:font script="Tibt" typeface="Microsoft Himalaya"/>
-        <a:font script="Thaa" typeface="MV Boli"/>
-        <a:font script="Deva" typeface="Mangal"/>
-        <a:font script="Telu" typeface="Gautami"/>
-        <a:font script="Taml" typeface="Latha"/>
-        <a:font script="Syrc" typeface="Estrangelo Edessa"/>
-        <a:font script="Orya" typeface="Kalinga"/>
-        <a:font script="Mlym" typeface="Kartika"/>
-        <a:font script="Laoo" typeface="DokChampa"/>
-        <a:font script="Sinh" typeface="Iskoola Pota"/>
-        <a:font script="Mong" typeface="Mongolian Baiti"/>
-        <a:font script="Viet" typeface="Arial"/>
-        <a:font script="Uigh" typeface="Microsoft Uighur"/>
-        <a:font script="Geor" typeface="Sylfaen"/>
-      </a:minorFont>
-    </a:fontScheme>
-    <a:fmtScheme name="Office">
-      <a:fillStyleLst>
-        <a:solidFill>
-          <a:schemeClr val="phClr"/>
-        </a:solidFill>
-        <a:gradFill rotWithShape="1">
-          <a:gsLst>
-            <a:gs pos="0">
-              <a:schemeClr val="phClr">
-                <a:tint val="50000"/>
-                <a:satMod val="300000"/>
-              </a:schemeClr>
-            </a:gs>
-            <a:gs pos="35000">
-              <a:schemeClr val="phClr">
-                <a:tint val="37000"/>
-                <a:satMod val="300000"/>
-              </a:schemeClr>
-            </a:gs>
-            <a:gs pos="100000">
-              <a:schemeClr val="phClr">
-                <a:tint val="15000"/>
-                <a:satMod val="350000"/>
-              </a:schemeClr>
-            </a:gs>
-          </a:gsLst>
-          <a:lin ang="16200000" scaled="1"/>
-        </a:gradFill>
-        <a:gradFill rotWithShape="1">
-          <a:gsLst>
-            <a:gs pos="0">
-              <a:schemeClr val="phClr">
-                <a:tint val="100000"/>
-                <a:shade val="100000"/>
-                <a:satMod val="130000"/>
-              </a:schemeClr>
-            </a:gs>
-            <a:gs pos="100000">
-              <a:schemeClr val="phClr">
-                <a:tint val="50000"/>
-                <a:shade val="100000"/>
-                <a:satMod val="350000"/>
-              </a:schemeClr>
-            </a:gs>
-          </a:gsLst>
-          <a:lin ang="16200000" scaled="0"/>
-        </a:gradFill>
-      </a:fillStyleLst>
-      <a:lnStyleLst>
-        <a:ln w="9525" cap="flat" cmpd="sng" algn="ctr">
-          <a:solidFill>
-            <a:schemeClr val="phClr">
-              <a:shade val="95000"/>
-              <a:satMod val="105000"/>
-            </a:schemeClr>
-          </a:solidFill>
-          <a:prstDash val="solid"/>
-        </a:ln>
-        <a:ln w="25400" cap="flat" cmpd="sng" algn="ctr">
-          <a:solidFill>
-            <a:schemeClr val="phClr"/>
-          </a:solidFill>
-          <a:prstDash val="solid"/>
-        </a:ln>
-        <a:ln w="38100" cap="flat" cmpd="sng" algn="ctr">
-          <a:solidFill>
-            <a:schemeClr val="phClr"/>
-          </a:solidFill>
-          <a:prstDash val="solid"/>
-        </a:ln>
-      </a:lnStyleLst>
-      <a:effectStyleLst>
-        <a:effectStyle>
-          <a:effectLst>
-            <a:outerShdw blurRad="40000" dist="20000" dir="5400000" rotWithShape="0">
-              <a:srgbClr val="000000">
-                <a:alpha val="38000"/>
-              </a:srgbClr>
-            </a:outerShdw>
-          </a:effectLst>
-        </a:effectStyle>
-        <a:effectStyle>
-          <a:effectLst>
-            <a:outerShdw blurRad="40000" dist="23000" dir="5400000" rotWithShape="0">
-              <a:srgbClr val="000000">
-                <a:alpha val="35000"/>
-              </a:srgbClr>
-            </a:outerShdw>
-          </a:effectLst>
-        </a:effectStyle>
-        <a:effectStyle>
-          <a:effectLst>
-            <a:outerShdw blurRad="40000" dist="23000" dir="5400000" rotWithShape="0">
-              <a:srgbClr val="000000">
-                <a:alpha val="35000"/>
-              </a:srgbClr>
-            </a:outerShdw>
-          </a:effectLst>
-          <a:scene3d>
-            <a:camera prst="orthographicFront">
-              <a:rot lat="0" lon="0" rev="0"/>
-            </a:camera>
-            <a:lightRig rig="threePt" dir="t">
-              <a:rot lat="0" lon="0" rev="1200000"/>
-            </a:lightRig>
-          </a:scene3d>
-          <a:sp3d>
-            <a:bevelT w="63500" h="25400"/>
-          </a:sp3d>
-        </a:effectStyle>
-      </a:effectStyleLst>
-      <a:bgFillStyleLst>
-        <a:solidFill>
-          <a:schemeClr val="phClr"/>
-        </a:solidFill>
-        <a:gradFill rotWithShape="1">
-          <a:gsLst>
-            <a:gs pos="0">
-              <a:schemeClr val="phClr">
-                <a:tint val="40000"/>
-                <a:satMod val="350000"/>
-              </a:schemeClr>
-            </a:gs>
-            <a:gs pos="40000">
-              <a:schemeClr val="phClr">
-                <a:tint val="45000"/>
-                <a:shade val="99000"/>
-                <a:satMod val="350000"/>
-              </a:schemeClr>
-            </a:gs>
-            <a:gs pos="100000">
-              <a:schemeClr val="phClr">
-                <a:shade val="20000"/>
-                <a:satMod val="255000"/>
-              </a:schemeClr>
-            </a:gs>
-          </a:gsLst>
-          <a:path path="circle">
-            <a:fillToRect l="50000" t="-80000" r="50000" b="180000"/>
-          </a:path>
-        </a:gradFill>
-        <a:gradFill rotWithShape="1">
-          <a:gsLst>
-            <a:gs pos="0">
-              <a:schemeClr val="phClr">
-                <a:tint val="80000"/>
-                <a:satMod val="300000"/>
-              </a:schemeClr>
-            </a:gs>
-            <a:gs pos="100000">
-              <a:schemeClr val="phClr">
-                <a:shade val="30000"/>
-                <a:satMod val="200000"/>
-              </a:schemeClr>
-            </a:gs>
-          </a:gsLst>
-          <a:path path="circle">
-            <a:fillToRect l="50000" t="50000" r="50000" b="50000"/>
-          </a:path>
-        </a:gradFill>
-      </a:bgFillStyleLst>
-    </a:fmtScheme>
-  </a:themeElements>
-</a:theme>
 </file>